--- a/PBIx/in_progress.pptx
+++ b/PBIx/in_progress.pptx
@@ -108,6 +108,11 @@
       </a:defRPr>
     </a:lvl9pPr>
   </p:defaultTextStyle>
+  <p:extLst>
+    <p:ext uri="{EFAFB233-063F-42B5-8137-9DF3F51BA10A}">
+      <p15:sldGuideLst xmlns:p15="http://schemas.microsoft.com/office/powerpoint/2012/main"/>
+    </p:ext>
+  </p:extLst>
 </p:presentation>
 </file>
 
@@ -15137,7 +15142,7 @@
           <a:p>
             <a:fld id="{E777670E-873D-41E4-B1A8-7B9A2660DE8E}" type="datetimeFigureOut">
               <a:rPr lang="en-GB" smtClean="0"/>
-              <a:t>09/12/2018</a:t>
+              <a:t>17/12/2018</a:t>
             </a:fld>
             <a:endParaRPr lang="en-GB"/>
           </a:p>
@@ -15377,7 +15382,7 @@
           <a:p>
             <a:fld id="{E777670E-873D-41E4-B1A8-7B9A2660DE8E}" type="datetimeFigureOut">
               <a:rPr lang="en-GB" smtClean="0"/>
-              <a:t>09/12/2018</a:t>
+              <a:t>17/12/2018</a:t>
             </a:fld>
             <a:endParaRPr lang="en-GB"/>
           </a:p>
@@ -15617,7 +15622,7 @@
           <a:p>
             <a:fld id="{E777670E-873D-41E4-B1A8-7B9A2660DE8E}" type="datetimeFigureOut">
               <a:rPr lang="en-GB" smtClean="0"/>
-              <a:t>09/12/2018</a:t>
+              <a:t>17/12/2018</a:t>
             </a:fld>
             <a:endParaRPr lang="en-GB"/>
           </a:p>
@@ -15869,7 +15874,7 @@
           <a:p>
             <a:fld id="{E777670E-873D-41E4-B1A8-7B9A2660DE8E}" type="datetimeFigureOut">
               <a:rPr lang="en-GB" smtClean="0"/>
-              <a:t>09/12/2018</a:t>
+              <a:t>17/12/2018</a:t>
             </a:fld>
             <a:endParaRPr lang="en-GB"/>
           </a:p>
@@ -16175,7 +16180,7 @@
           <a:p>
             <a:fld id="{E777670E-873D-41E4-B1A8-7B9A2660DE8E}" type="datetimeFigureOut">
               <a:rPr lang="en-GB" smtClean="0"/>
-              <a:t>09/12/2018</a:t>
+              <a:t>17/12/2018</a:t>
             </a:fld>
             <a:endParaRPr lang="en-GB"/>
           </a:p>
@@ -16481,7 +16486,7 @@
           <a:p>
             <a:fld id="{E777670E-873D-41E4-B1A8-7B9A2660DE8E}" type="datetimeFigureOut">
               <a:rPr lang="en-GB" smtClean="0"/>
-              <a:t>09/12/2018</a:t>
+              <a:t>17/12/2018</a:t>
             </a:fld>
             <a:endParaRPr lang="en-GB"/>
           </a:p>
@@ -16935,7 +16940,7 @@
           <a:p>
             <a:fld id="{E777670E-873D-41E4-B1A8-7B9A2660DE8E}" type="datetimeFigureOut">
               <a:rPr lang="en-GB" smtClean="0"/>
-              <a:t>09/12/2018</a:t>
+              <a:t>17/12/2018</a:t>
             </a:fld>
             <a:endParaRPr lang="en-GB"/>
           </a:p>
@@ -17109,7 +17114,7 @@
           <a:p>
             <a:fld id="{E777670E-873D-41E4-B1A8-7B9A2660DE8E}" type="datetimeFigureOut">
               <a:rPr lang="en-GB" smtClean="0"/>
-              <a:t>09/12/2018</a:t>
+              <a:t>17/12/2018</a:t>
             </a:fld>
             <a:endParaRPr lang="en-GB"/>
           </a:p>
@@ -17246,7 +17251,7 @@
           <a:p>
             <a:fld id="{E777670E-873D-41E4-B1A8-7B9A2660DE8E}" type="datetimeFigureOut">
               <a:rPr lang="en-GB" smtClean="0"/>
-              <a:t>09/12/2018</a:t>
+              <a:t>17/12/2018</a:t>
             </a:fld>
             <a:endParaRPr lang="en-GB"/>
           </a:p>
@@ -17592,7 +17597,7 @@
           <a:p>
             <a:fld id="{E777670E-873D-41E4-B1A8-7B9A2660DE8E}" type="datetimeFigureOut">
               <a:rPr lang="en-GB" smtClean="0"/>
-              <a:t>09/12/2018</a:t>
+              <a:t>17/12/2018</a:t>
             </a:fld>
             <a:endParaRPr lang="en-GB"/>
           </a:p>
@@ -17914,7 +17919,7 @@
           <a:p>
             <a:fld id="{E777670E-873D-41E4-B1A8-7B9A2660DE8E}" type="datetimeFigureOut">
               <a:rPr lang="en-GB" smtClean="0"/>
-              <a:t>09/12/2018</a:t>
+              <a:t>17/12/2018</a:t>
             </a:fld>
             <a:endParaRPr lang="en-GB"/>
           </a:p>
@@ -19897,6 +19902,50 @@
           </a:p>
         </p:txBody>
       </p:sp>
+      <p:sp>
+        <p:nvSpPr>
+          <p:cNvPr id="13" name="TextBox 12">
+            <a:extLst>
+              <a:ext uri="{FF2B5EF4-FFF2-40B4-BE49-F238E27FC236}">
+                <a16:creationId xmlns:a16="http://schemas.microsoft.com/office/drawing/2014/main" id="{440D1BC5-6DFB-4179-8C8C-949C6B27AF7A}"/>
+              </a:ext>
+            </a:extLst>
+          </p:cNvPr>
+          <p:cNvSpPr txBox="1"/>
+          <p:nvPr/>
+        </p:nvSpPr>
+        <p:spPr>
+          <a:xfrm>
+            <a:off x="3379304" y="1615292"/>
+            <a:ext cx="8242853" cy="707886"/>
+          </a:xfrm>
+          <a:prstGeom prst="rect">
+            <a:avLst/>
+          </a:prstGeom>
+          <a:noFill/>
+        </p:spPr>
+        <p:txBody>
+          <a:bodyPr wrap="square" rtlCol="0">
+            <a:spAutoFit/>
+          </a:bodyPr>
+          <a:lstStyle/>
+          <a:p>
+            <a:pPr algn="ctr"/>
+            <a:r>
+              <a:rPr lang="en-GB" sz="2000" dirty="0"/>
+              <a:t>Our goal: simplicity, scalability and application interoperability</a:t>
+            </a:r>
+          </a:p>
+          <a:p>
+            <a:pPr algn="ctr"/>
+            <a:r>
+              <a:rPr lang="en-GB" sz="2000" dirty="0"/>
+              <a:t>over unneeded functionality</a:t>
+            </a:r>
+            <a:endParaRPr lang="en-GB" dirty="0"/>
+          </a:p>
+        </p:txBody>
+      </p:sp>
     </p:spTree>
     <p:extLst>
       <p:ext uri="{BB962C8B-B14F-4D97-AF65-F5344CB8AC3E}">
@@ -21396,7 +21445,7 @@
         <p:spPr>
           <a:xfrm>
             <a:off x="3379304" y="1615292"/>
-            <a:ext cx="8242853" cy="2739211"/>
+            <a:ext cx="8242853" cy="2954655"/>
           </a:xfrm>
           <a:prstGeom prst="rect">
             <a:avLst/>
@@ -21549,7 +21598,7 @@
                 <a:latin typeface="Segoe UI" panose="020B0502040204020203" pitchFamily="34" charset="0"/>
                 <a:cs typeface="Segoe UI" panose="020B0502040204020203" pitchFamily="34" charset="0"/>
               </a:rPr>
-              <a:t>Azure Cosmos DB, to store the data </a:t>
+              <a:t>Azure Cosmos DB, to store the data and provide a persistence layer for both data science and dev teams data</a:t>
             </a:r>
           </a:p>
           <a:p>
@@ -21598,7 +21647,7 @@
             </a:r>
           </a:p>
           <a:p>
-            <a:pPr marL="571500" lvl="0" indent="-571500" eaLnBrk="0" fontAlgn="base" hangingPunct="0">
+            <a:pPr marL="285750" lvl="0" indent="-285750" eaLnBrk="0" fontAlgn="base" hangingPunct="0">
               <a:spcBef>
                 <a:spcPct val="0"/>
               </a:spcBef>
@@ -21617,7 +21666,7 @@
             </a:r>
           </a:p>
           <a:p>
-            <a:pPr marL="571500" lvl="0" indent="-571500" eaLnBrk="0" fontAlgn="base" hangingPunct="0">
+            <a:pPr marL="285750" lvl="0" indent="-285750" eaLnBrk="0" fontAlgn="base" hangingPunct="0">
               <a:spcBef>
                 <a:spcPct val="0"/>
               </a:spcBef>
@@ -21636,7 +21685,7 @@
             </a:r>
           </a:p>
           <a:p>
-            <a:pPr marL="571500" lvl="0" indent="-571500" eaLnBrk="0" fontAlgn="base" hangingPunct="0">
+            <a:pPr marL="285750" lvl="0" indent="-285750" eaLnBrk="0" fontAlgn="base" hangingPunct="0">
               <a:spcBef>
                 <a:spcPct val="0"/>
               </a:spcBef>
@@ -21655,7 +21704,7 @@
             </a:r>
           </a:p>
           <a:p>
-            <a:pPr marL="571500" lvl="0" indent="-571500" eaLnBrk="0" fontAlgn="base" hangingPunct="0">
+            <a:pPr marL="285750" lvl="0" indent="-285750" eaLnBrk="0" fontAlgn="base" hangingPunct="0">
               <a:spcBef>
                 <a:spcPct val="0"/>
               </a:spcBef>
@@ -22437,7 +22486,7 @@
                 <a:latin typeface="Segoe UI" panose="020B0502040204020203" pitchFamily="34" charset="0"/>
                 <a:cs typeface="Segoe UI" panose="020B0502040204020203" pitchFamily="34" charset="0"/>
               </a:rPr>
-              <a:t>Power BI can turn insights stored in Databricks into easy-to-set visualizations which can be shared across the entire organization</a:t>
+              <a:t>Power BI can turn insights stored in Databricks tables into easy-to-set visualizations which can be shared across the entire organization</a:t>
             </a:r>
           </a:p>
           <a:p>
@@ -22520,7 +22569,7 @@
                 <a:latin typeface="Segoe UI" panose="020B0502040204020203" pitchFamily="34" charset="0"/>
                 <a:cs typeface="Segoe UI" panose="020B0502040204020203" pitchFamily="34" charset="0"/>
               </a:rPr>
-              <a:t>If needed, Power BI also provides a high-level ELTL framework via its “Query Editor” and the M language</a:t>
+              <a:t>If needed, Power BI also provides a high-level ETL framework via its “Query Editor” and the M language</a:t>
             </a:r>
             <a:endParaRPr kumimoji="0" lang="en-US" altLang="en-US" sz="1600" i="0" u="none" strike="noStrike" cap="none" normalizeH="0" baseline="0" dirty="0">
               <a:ln>
@@ -22557,7 +22606,7 @@
         </p:blipFill>
         <p:spPr>
           <a:xfrm>
-            <a:off x="4438690" y="5301723"/>
+            <a:off x="6292216" y="5331520"/>
             <a:ext cx="790290" cy="601560"/>
           </a:xfrm>
           <a:prstGeom prst="rect">
@@ -22589,7 +22638,7 @@
         </p:blipFill>
         <p:spPr>
           <a:xfrm>
-            <a:off x="6414521" y="5183693"/>
+            <a:off x="4645877" y="5193226"/>
             <a:ext cx="662609" cy="719590"/>
           </a:xfrm>
           <a:prstGeom prst="rect">
@@ -22661,7 +22710,7 @@
         </p:nvSpPr>
         <p:spPr>
           <a:xfrm>
-            <a:off x="5487758" y="5035656"/>
+            <a:off x="5561888" y="5053871"/>
             <a:ext cx="667985" cy="1015663"/>
           </a:xfrm>
           <a:prstGeom prst="rect">
